--- a/Prezentace.pptx
+++ b/Prezentace.pptx
@@ -111,6 +111,14 @@
       </a:defRPr>
     </a:lvl9pPr>
   </p:defaultTextStyle>
+  <p:extLst>
+    <p:ext uri="{EFAFB233-063F-42B5-8137-9DF3F51BA10A}">
+      <p15:sldGuideLst xmlns:p15="http://schemas.microsoft.com/office/powerpoint/2012/main"/>
+    </p:ext>
+    <p:ext uri="{2D200454-40CA-4A62-9FC3-DE9A4176ACB9}">
+      <p15:notesGuideLst xmlns:p15="http://schemas.microsoft.com/office/powerpoint/2012/main"/>
+    </p:ext>
+  </p:extLst>
 </p:presentation>
 </file>
 
@@ -963,7 +971,7 @@
           <a:bodyPr/>
           <a:lstStyle/>
           <a:p>
-            <a:fld id="{56B7FA43-A7BB-401E-808D-588C62F5962E}" type="datetimeFigureOut">
+            <a:fld id="{DC9FEFEF-790A-4601-BC77-76F6E6285B33}" type="datetime1">
               <a:rPr lang="cs-CZ" smtClean="0"/>
               <a:t>02.04.2023</a:t>
             </a:fld>
@@ -1161,7 +1169,7 @@
           <a:bodyPr/>
           <a:lstStyle/>
           <a:p>
-            <a:fld id="{56B7FA43-A7BB-401E-808D-588C62F5962E}" type="datetimeFigureOut">
+            <a:fld id="{E5A6F7AD-9497-4640-8090-B5F3638953A0}" type="datetime1">
               <a:rPr lang="cs-CZ" smtClean="0"/>
               <a:t>02.04.2023</a:t>
             </a:fld>
@@ -1369,7 +1377,7 @@
           <a:bodyPr/>
           <a:lstStyle/>
           <a:p>
-            <a:fld id="{56B7FA43-A7BB-401E-808D-588C62F5962E}" type="datetimeFigureOut">
+            <a:fld id="{76711B85-80C2-4998-80A7-EC5EACD4EB35}" type="datetime1">
               <a:rPr lang="cs-CZ" smtClean="0"/>
               <a:t>02.04.2023</a:t>
             </a:fld>
@@ -1567,7 +1575,7 @@
           <a:bodyPr/>
           <a:lstStyle/>
           <a:p>
-            <a:fld id="{56B7FA43-A7BB-401E-808D-588C62F5962E}" type="datetimeFigureOut">
+            <a:fld id="{1721A816-CB9A-4ECB-B905-133845B173D8}" type="datetime1">
               <a:rPr lang="cs-CZ" smtClean="0"/>
               <a:t>02.04.2023</a:t>
             </a:fld>
@@ -1842,7 +1850,7 @@
           <a:bodyPr/>
           <a:lstStyle/>
           <a:p>
-            <a:fld id="{56B7FA43-A7BB-401E-808D-588C62F5962E}" type="datetimeFigureOut">
+            <a:fld id="{011B18FC-79B5-48CA-8F10-FABDAD34F25F}" type="datetime1">
               <a:rPr lang="cs-CZ" smtClean="0"/>
               <a:t>02.04.2023</a:t>
             </a:fld>
@@ -2107,7 +2115,7 @@
           <a:bodyPr/>
           <a:lstStyle/>
           <a:p>
-            <a:fld id="{56B7FA43-A7BB-401E-808D-588C62F5962E}" type="datetimeFigureOut">
+            <a:fld id="{10C852B7-D9D4-43D3-BA9C-D8680E075A49}" type="datetime1">
               <a:rPr lang="cs-CZ" smtClean="0"/>
               <a:t>02.04.2023</a:t>
             </a:fld>
@@ -2519,7 +2527,7 @@
           <a:bodyPr/>
           <a:lstStyle/>
           <a:p>
-            <a:fld id="{56B7FA43-A7BB-401E-808D-588C62F5962E}" type="datetimeFigureOut">
+            <a:fld id="{A0D3E970-0AC5-4897-AFF8-CE8348329E0D}" type="datetime1">
               <a:rPr lang="cs-CZ" smtClean="0"/>
               <a:t>02.04.2023</a:t>
             </a:fld>
@@ -2660,7 +2668,7 @@
           <a:bodyPr/>
           <a:lstStyle/>
           <a:p>
-            <a:fld id="{56B7FA43-A7BB-401E-808D-588C62F5962E}" type="datetimeFigureOut">
+            <a:fld id="{EE7AE7E2-86C1-47D5-9E04-ED2FA22A2AF8}" type="datetime1">
               <a:rPr lang="cs-CZ" smtClean="0"/>
               <a:t>02.04.2023</a:t>
             </a:fld>
@@ -2773,7 +2781,7 @@
           <a:bodyPr/>
           <a:lstStyle/>
           <a:p>
-            <a:fld id="{56B7FA43-A7BB-401E-808D-588C62F5962E}" type="datetimeFigureOut">
+            <a:fld id="{FB6FFC65-A7CE-4147-9E9A-4F80BE453BD8}" type="datetime1">
               <a:rPr lang="cs-CZ" smtClean="0"/>
               <a:t>02.04.2023</a:t>
             </a:fld>
@@ -3084,7 +3092,7 @@
           <a:bodyPr/>
           <a:lstStyle/>
           <a:p>
-            <a:fld id="{56B7FA43-A7BB-401E-808D-588C62F5962E}" type="datetimeFigureOut">
+            <a:fld id="{BBEE2558-E680-484E-9E96-ECDDBC853E4C}" type="datetime1">
               <a:rPr lang="cs-CZ" smtClean="0"/>
               <a:t>02.04.2023</a:t>
             </a:fld>
@@ -3372,7 +3380,7 @@
           <a:bodyPr/>
           <a:lstStyle/>
           <a:p>
-            <a:fld id="{56B7FA43-A7BB-401E-808D-588C62F5962E}" type="datetimeFigureOut">
+            <a:fld id="{42AD3C15-BE8D-4CBF-8E41-F60CF461FD71}" type="datetime1">
               <a:rPr lang="cs-CZ" smtClean="0"/>
               <a:t>02.04.2023</a:t>
             </a:fld>
@@ -3623,7 +3631,7 @@
             </a:lvl1pPr>
           </a:lstStyle>
           <a:p>
-            <a:fld id="{56B7FA43-A7BB-401E-808D-588C62F5962E}" type="datetimeFigureOut">
+            <a:fld id="{6710B060-F90B-4941-BC75-4244EB89E8FB}" type="datetime1">
               <a:rPr lang="cs-CZ" smtClean="0"/>
               <a:t>02.04.2023</a:t>
             </a:fld>
@@ -3742,6 +3750,7 @@
     <p:sldLayoutId id="2147483658" r:id="rId10"/>
     <p:sldLayoutId id="2147483659" r:id="rId11"/>
   </p:sldLayoutIdLst>
+  <p:hf hdr="0" ftr="0" dt="0"/>
   <p:txStyles>
     <p:titleStyle>
       <a:lvl1pPr algn="l" defTabSz="914400" rtl="0" eaLnBrk="1" latinLnBrk="0" hangingPunct="1">
@@ -4072,7 +4081,7 @@
                 </a:solidFill>
                 <a:latin typeface="Montserrat" pitchFamily="2" charset="-18"/>
               </a:rPr>
-              <a:t>Město 2.0</a:t>
+              <a:t>Košice 2.0</a:t>
             </a:r>
           </a:p>
         </p:txBody>
@@ -4109,6 +4118,31 @@
               </a:rPr>
               <a:t>15-minute city</a:t>
             </a:r>
+          </a:p>
+        </p:txBody>
+      </p:sp>
+      <p:sp>
+        <p:nvSpPr>
+          <p:cNvPr id="4" name="Zástupný symbol pro číslo snímku 3">
+            <a:extLst>
+              <a:ext uri="{FF2B5EF4-FFF2-40B4-BE49-F238E27FC236}">
+                <a16:creationId xmlns:a16="http://schemas.microsoft.com/office/drawing/2014/main" id="{764BFC9B-9565-F61E-1607-B93425D46EC9}"/>
+              </a:ext>
+            </a:extLst>
+          </p:cNvPr>
+          <p:cNvSpPr>
+            <a:spLocks noGrp="1"/>
+          </p:cNvSpPr>
+          <p:nvPr>
+            <p:ph type="sldNum" sz="quarter" idx="12"/>
+          </p:nvPr>
+        </p:nvSpPr>
+        <p:spPr/>
+        <p:txBody>
+          <a:bodyPr/>
+          <a:lstStyle/>
+          <a:p>
+            <a:endParaRPr lang="cs-CZ" dirty="0"/>
           </a:p>
         </p:txBody>
       </p:sp>
@@ -4360,6 +4394,38 @@
                 <a:latin typeface="Montserrat" pitchFamily="2" charset="-18"/>
               </a:rPr>
               <a:t>Optimální umístění</a:t>
+            </a:r>
+          </a:p>
+        </p:txBody>
+      </p:sp>
+      <p:sp>
+        <p:nvSpPr>
+          <p:cNvPr id="3" name="Zástupný symbol pro číslo snímku 2">
+            <a:extLst>
+              <a:ext uri="{FF2B5EF4-FFF2-40B4-BE49-F238E27FC236}">
+                <a16:creationId xmlns:a16="http://schemas.microsoft.com/office/drawing/2014/main" id="{9803C725-6E0C-FAD7-2114-0E8FCF501986}"/>
+              </a:ext>
+            </a:extLst>
+          </p:cNvPr>
+          <p:cNvSpPr>
+            <a:spLocks noGrp="1"/>
+          </p:cNvSpPr>
+          <p:nvPr>
+            <p:ph type="sldNum" sz="quarter" idx="12"/>
+          </p:nvPr>
+        </p:nvSpPr>
+        <p:spPr/>
+        <p:txBody>
+          <a:bodyPr/>
+          <a:lstStyle/>
+          <a:p>
+            <a:fld id="{0629BC1F-CA11-4F47-B0F5-6246E79DDC1E}" type="slidenum">
+              <a:rPr lang="cs-CZ" smtClean="0"/>
+              <a:t>2</a:t>
+            </a:fld>
+            <a:r>
+              <a:rPr lang="cs-CZ" dirty="0"/>
+              <a:t>/5</a:t>
             </a:r>
           </a:p>
         </p:txBody>
@@ -5078,7 +5144,7 @@
                 </a:solidFill>
                 <a:latin typeface="Montserrat" pitchFamily="2" charset="-18"/>
               </a:rPr>
-              <a:t>Nové služby</a:t>
+              <a:t>Existující služby</a:t>
             </a:r>
           </a:p>
         </p:txBody>
@@ -5140,7 +5206,7 @@
                 </a:solidFill>
                 <a:latin typeface="Montserrat" pitchFamily="2" charset="-18"/>
               </a:rPr>
-              <a:t>Existující služby</a:t>
+              <a:t>Nové služby</a:t>
             </a:r>
           </a:p>
         </p:txBody>
@@ -5466,6 +5532,38 @@
           </a:p>
         </p:txBody>
       </p:sp>
+      <p:sp>
+        <p:nvSpPr>
+          <p:cNvPr id="5" name="Zástupný symbol pro číslo snímku 4">
+            <a:extLst>
+              <a:ext uri="{FF2B5EF4-FFF2-40B4-BE49-F238E27FC236}">
+                <a16:creationId xmlns:a16="http://schemas.microsoft.com/office/drawing/2014/main" id="{46B0666B-9C07-32C1-53AE-CF0034F2FF1B}"/>
+              </a:ext>
+            </a:extLst>
+          </p:cNvPr>
+          <p:cNvSpPr>
+            <a:spLocks noGrp="1"/>
+          </p:cNvSpPr>
+          <p:nvPr>
+            <p:ph type="sldNum" sz="quarter" idx="12"/>
+          </p:nvPr>
+        </p:nvSpPr>
+        <p:spPr/>
+        <p:txBody>
+          <a:bodyPr/>
+          <a:lstStyle/>
+          <a:p>
+            <a:fld id="{0629BC1F-CA11-4F47-B0F5-6246E79DDC1E}" type="slidenum">
+              <a:rPr lang="cs-CZ" smtClean="0"/>
+              <a:t>3</a:t>
+            </a:fld>
+            <a:r>
+              <a:rPr lang="cs-CZ" dirty="0"/>
+              <a:t>/5</a:t>
+            </a:r>
+          </a:p>
+        </p:txBody>
+      </p:sp>
     </p:spTree>
     <p:extLst>
       <p:ext uri="{BB962C8B-B14F-4D97-AF65-F5344CB8AC3E}">
@@ -5562,6 +5660,7 @@
               </a:bodyPr>
               <a:lstStyle/>
               <a:p>
+                <a:pPr/>
                 <a14:m>
                   <m:oMathPara xmlns:m="http://schemas.openxmlformats.org/officeDocument/2006/math">
                     <m:oMathParaPr>
@@ -5709,12 +5808,30 @@
                                     <a:rPr lang="en-US" sz="2000" b="0" i="0" smtClean="0">
                                       <a:latin typeface="Cambria Math" panose="02040503050406030204" pitchFamily="18" charset="0"/>
                                     </a:rPr>
-                                    <m:t>accassebility</m:t>
+                                    <m:t>acces</m:t>
+                                  </m:r>
+                                  <m:r>
+                                    <m:rPr>
+                                      <m:sty m:val="p"/>
+                                    </m:rPr>
+                                    <a:rPr lang="en-US" sz="2000" b="0" i="0" smtClean="0">
+                                      <a:latin typeface="Cambria Math" panose="02040503050406030204" pitchFamily="18" charset="0"/>
+                                    </a:rPr>
+                                    <m:t>seb</m:t>
+                                  </m:r>
+                                  <m:r>
+                                    <m:rPr>
+                                      <m:sty m:val="p"/>
+                                    </m:rPr>
+                                    <a:rPr lang="en-US" sz="2000" b="0" i="0" smtClean="0">
+                                      <a:latin typeface="Cambria Math" panose="02040503050406030204" pitchFamily="18" charset="0"/>
+                                    </a:rPr>
+                                    <m:t>ility</m:t>
                                   </m:r>
                                   <m:d>
                                     <m:dPr>
                                       <m:ctrlPr>
-                                        <a:rPr lang="en-US" sz="2000" smtClean="0">
+                                        <a:rPr lang="en-US" sz="2000" i="1" smtClean="0">
                                           <a:latin typeface="Cambria Math" panose="02040503050406030204" pitchFamily="18" charset="0"/>
                                         </a:rPr>
                                       </m:ctrlPr>
@@ -5764,7 +5881,7 @@
                                   <m:d>
                                     <m:dPr>
                                       <m:ctrlPr>
-                                        <a:rPr lang="en-US" sz="2000" b="0" smtClean="0">
+                                        <a:rPr lang="en-US" sz="2000" b="0" i="1" smtClean="0">
                                           <a:latin typeface="Cambria Math" panose="02040503050406030204" pitchFamily="18" charset="0"/>
                                         </a:rPr>
                                       </m:ctrlPr>
@@ -5947,6 +6064,38 @@
           </p:sp>
         </mc:Fallback>
       </mc:AlternateContent>
+      <p:sp>
+        <p:nvSpPr>
+          <p:cNvPr id="3" name="Zástupný symbol pro číslo snímku 2">
+            <a:extLst>
+              <a:ext uri="{FF2B5EF4-FFF2-40B4-BE49-F238E27FC236}">
+                <a16:creationId xmlns:a16="http://schemas.microsoft.com/office/drawing/2014/main" id="{DA6441CE-FFC2-3C74-C0AC-AC2EE7D6DC35}"/>
+              </a:ext>
+            </a:extLst>
+          </p:cNvPr>
+          <p:cNvSpPr>
+            <a:spLocks noGrp="1"/>
+          </p:cNvSpPr>
+          <p:nvPr>
+            <p:ph type="sldNum" sz="quarter" idx="12"/>
+          </p:nvPr>
+        </p:nvSpPr>
+        <p:spPr/>
+        <p:txBody>
+          <a:bodyPr/>
+          <a:lstStyle/>
+          <a:p>
+            <a:fld id="{0629BC1F-CA11-4F47-B0F5-6246E79DDC1E}" type="slidenum">
+              <a:rPr lang="cs-CZ" smtClean="0"/>
+              <a:t>4</a:t>
+            </a:fld>
+            <a:r>
+              <a:rPr lang="cs-CZ" dirty="0"/>
+              <a:t>/5</a:t>
+            </a:r>
+          </a:p>
+        </p:txBody>
+      </p:sp>
     </p:spTree>
     <p:extLst>
       <p:ext uri="{BB962C8B-B14F-4D97-AF65-F5344CB8AC3E}">
@@ -6428,6 +6577,38 @@
               </a:solidFill>
               <a:latin typeface="Montserrat" pitchFamily="2" charset="-18"/>
             </a:endParaRPr>
+          </a:p>
+        </p:txBody>
+      </p:sp>
+      <p:sp>
+        <p:nvSpPr>
+          <p:cNvPr id="3" name="Zástupný symbol pro číslo snímku 2">
+            <a:extLst>
+              <a:ext uri="{FF2B5EF4-FFF2-40B4-BE49-F238E27FC236}">
+                <a16:creationId xmlns:a16="http://schemas.microsoft.com/office/drawing/2014/main" id="{C51A7F9E-652F-FF2E-A6F8-DFB53ED902B7}"/>
+              </a:ext>
+            </a:extLst>
+          </p:cNvPr>
+          <p:cNvSpPr>
+            <a:spLocks noGrp="1"/>
+          </p:cNvSpPr>
+          <p:nvPr>
+            <p:ph type="sldNum" sz="quarter" idx="12"/>
+          </p:nvPr>
+        </p:nvSpPr>
+        <p:spPr/>
+        <p:txBody>
+          <a:bodyPr/>
+          <a:lstStyle/>
+          <a:p>
+            <a:fld id="{0629BC1F-CA11-4F47-B0F5-6246E79DDC1E}" type="slidenum">
+              <a:rPr lang="cs-CZ" smtClean="0"/>
+              <a:t>5</a:t>
+            </a:fld>
+            <a:r>
+              <a:rPr lang="cs-CZ" dirty="0"/>
+              <a:t>/5</a:t>
+            </a:r>
           </a:p>
         </p:txBody>
       </p:sp>
